--- a/next_step/dsmv/presentation/pr_2_template.pptx
+++ b/next_step/dsmv/presentation/pr_2_template.pptx
@@ -42120,64 +42120,13 @@
       </p:sp>
       <p:sp>
         <p:nvSpPr>
-          <p:cNvPr id="7" name="Прямая соединительная линия 6"/>
-          <p:cNvSpPr/>
-          <p:nvPr/>
-        </p:nvSpPr>
-        <p:spPr>
-          <a:xfrm>
-            <a:off x="2592000" y="2160000"/>
-            <a:ext cx="504000" cy="0"/>
-          </a:xfrm>
-          <a:prstGeom prst="line">
-            <a:avLst/>
-          </a:prstGeom>
-          <a:noFill/>
-          <a:ln w="0">
-            <a:solidFill>
-              <a:srgbClr val="000000"/>
-            </a:solidFill>
-            <a:prstDash val="solid"/>
-            <a:tailEnd type="arrow"/>
-          </a:ln>
-        </p:spPr>
-        <p:txBody>
-          <a:bodyPr vert="horz" wrap="none" lIns="90000" tIns="45000" rIns="90000" bIns="45000" anchor="ctr" anchorCtr="0" compatLnSpc="0"/>
-          <a:lstStyle/>
-          <a:p>
-            <a:pPr marL="0" marR="0" lvl="0" indent="0" rtl="0" hangingPunct="0">
-              <a:lnSpc>
-                <a:spcPct val="100000"/>
-              </a:lnSpc>
-              <a:spcBef>
-                <a:spcPts val="0"/>
-              </a:spcBef>
-              <a:spcAft>
-                <a:spcPts val="0"/>
-              </a:spcAft>
-              <a:buNone/>
-              <a:tabLst/>
-            </a:pPr>
-            <a:endParaRPr lang="ru-RU" sz="1800" b="0" i="0" u="none" strike="noStrike" kern="1200" cap="none">
-              <a:ln>
-                <a:noFill/>
-              </a:ln>
-              <a:latin typeface="Liberation Sans" pitchFamily="18"/>
-              <a:ea typeface="Microsoft YaHei" pitchFamily="2"/>
-              <a:cs typeface="Mangal" pitchFamily="2"/>
-            </a:endParaRPr>
-          </a:p>
-        </p:txBody>
-      </p:sp>
-      <p:sp>
-        <p:nvSpPr>
           <p:cNvPr id="8" name="Прямая соединительная линия 7"/>
           <p:cNvSpPr/>
           <p:nvPr/>
         </p:nvSpPr>
         <p:spPr>
           <a:xfrm flipH="1">
-            <a:off x="2592000" y="3456000"/>
+            <a:off x="2592000" y="3923853"/>
             <a:ext cx="504000" cy="0"/>
           </a:xfrm>
           <a:prstGeom prst="line">
@@ -42228,7 +42177,7 @@
         </p:nvSpPr>
         <p:spPr>
           <a:xfrm>
-            <a:off x="2592000" y="2160000"/>
+            <a:off x="2592000" y="2339677"/>
             <a:ext cx="504000" cy="0"/>
           </a:xfrm>
           <a:prstGeom prst="line">
@@ -42690,7 +42639,7 @@
               <a:srgbClr val="000000"/>
             </a:solidFill>
             <a:prstDash val="solid"/>
-            <a:headEnd type="arrow"/>
+            <a:headEnd type="triangle" w="lg" len="lg"/>
             <a:tailEnd type="triangle" w="lg" len="lg"/>
           </a:ln>
         </p:spPr>
@@ -43030,7 +42979,7 @@
               <a:srgbClr val="000000"/>
             </a:solidFill>
             <a:prstDash val="solid"/>
-            <a:headEnd type="arrow"/>
+            <a:headEnd type="triangle" w="lg" len="lg"/>
             <a:tailEnd type="triangle" w="lg" len="lg"/>
           </a:ln>
         </p:spPr>
